--- a/הגשה/Deep Recursive Network Embedding with Regular Equivalence.pptx
+++ b/הגשה/Deep Recursive Network Embedding with Regular Equivalence.pptx
@@ -5,10 +5,10 @@
     <p:sldMasterId id="2147483684" r:id="rId4"/>
   </p:sldMasterIdLst>
   <p:notesMasterIdLst>
-    <p:notesMasterId r:id="rId23"/>
+    <p:notesMasterId r:id="rId22"/>
   </p:notesMasterIdLst>
   <p:handoutMasterIdLst>
-    <p:handoutMasterId r:id="rId24"/>
+    <p:handoutMasterId r:id="rId23"/>
   </p:handoutMasterIdLst>
   <p:sldIdLst>
     <p:sldId id="256" r:id="rId5"/>
@@ -27,11 +27,10 @@
     <p:sldId id="274" r:id="rId18"/>
     <p:sldId id="269" r:id="rId19"/>
     <p:sldId id="271" r:id="rId20"/>
-    <p:sldId id="273" r:id="rId21"/>
-    <p:sldId id="275" r:id="rId22"/>
+    <p:sldId id="275" r:id="rId21"/>
   </p:sldIdLst>
   <p:sldSz cx="12192000" cy="6858000"/>
-  <p:notesSz cx="6858000" cy="9144000"/>
+  <p:notesSz cx="6858000" cy="9947275"/>
   <p:defaultTextStyle>
     <a:defPPr>
       <a:defRPr lang="en-US"/>
@@ -141,7 +140,7 @@
 <file path=ppt/revisionInfo.xml><?xml version="1.0" encoding="utf-8"?>
 <p1510:revInfo xmlns:a="http://schemas.openxmlformats.org/drawingml/2006/main" xmlns:r="http://schemas.openxmlformats.org/officeDocument/2006/relationships" xmlns:p1510="http://schemas.microsoft.com/office/powerpoint/2015/10/main">
   <p1510:revLst>
-    <p1510:client id="{5EBE0886-BCCD-4CD7-9677-734E3EC6CCB2}" v="752" dt="2021-05-25T09:26:31.940"/>
+    <p1510:client id="{5EBE0886-BCCD-4CD7-9677-734E3EC6CCB2}" v="758" dt="2021-05-29T15:57:42.951"/>
   </p1510:revLst>
 </p1510:revInfo>
 </file>
@@ -150,8 +149,8 @@
 <pc:chgInfo xmlns:a="http://schemas.openxmlformats.org/drawingml/2006/main" xmlns:r="http://schemas.openxmlformats.org/officeDocument/2006/relationships" xmlns:ac="http://schemas.microsoft.com/office/drawing/2013/main/command" xmlns:pc="http://schemas.microsoft.com/office/powerpoint/2013/main/command">
   <pc:docChgLst>
     <pc:chgData name="אור מן" userId="366511654a5deaf2" providerId="LiveId" clId="{5EBE0886-BCCD-4CD7-9677-734E3EC6CCB2}"/>
-    <pc:docChg chg="undo custSel addSld delSld modSld sldOrd">
-      <pc:chgData name="אור מן" userId="366511654a5deaf2" providerId="LiveId" clId="{5EBE0886-BCCD-4CD7-9677-734E3EC6CCB2}" dt="2021-05-25T09:26:38.020" v="1887" actId="1076"/>
+    <pc:docChg chg="undo custSel addSld delSld modSld sldOrd modNotesMaster modHandout">
+      <pc:chgData name="אור מן" userId="366511654a5deaf2" providerId="LiveId" clId="{5EBE0886-BCCD-4CD7-9677-734E3EC6CCB2}" dt="2021-05-29T15:59:20.766" v="1894" actId="2696"/>
       <pc:docMkLst>
         <pc:docMk/>
       </pc:docMkLst>
@@ -203,7 +202,7 @@
         </pc:graphicFrameChg>
       </pc:sldChg>
       <pc:sldChg chg="addSp delSp modSp mod modAnim">
-        <pc:chgData name="אור מן" userId="366511654a5deaf2" providerId="LiveId" clId="{5EBE0886-BCCD-4CD7-9677-734E3EC6CCB2}" dt="2021-05-22T13:38:44.876" v="1204" actId="1036"/>
+        <pc:chgData name="אור מן" userId="366511654a5deaf2" providerId="LiveId" clId="{5EBE0886-BCCD-4CD7-9677-734E3EC6CCB2}" dt="2021-05-29T15:57:42.951" v="1893" actId="6549"/>
         <pc:sldMkLst>
           <pc:docMk/>
           <pc:sldMk cId="2449431650" sldId="258"/>
@@ -217,7 +216,7 @@
           </ac:spMkLst>
         </pc:spChg>
         <pc:spChg chg="mod">
-          <ac:chgData name="אור מן" userId="366511654a5deaf2" providerId="LiveId" clId="{5EBE0886-BCCD-4CD7-9677-734E3EC6CCB2}" dt="2021-05-22T13:38:13.688" v="1197" actId="2710"/>
+          <ac:chgData name="אור מן" userId="366511654a5deaf2" providerId="LiveId" clId="{5EBE0886-BCCD-4CD7-9677-734E3EC6CCB2}" dt="2021-05-29T15:57:42.951" v="1893" actId="6549"/>
           <ac:spMkLst>
             <pc:docMk/>
             <pc:sldMk cId="2449431650" sldId="258"/>
@@ -1197,8 +1196,8 @@
           </ac:picMkLst>
         </pc:picChg>
       </pc:sldChg>
-      <pc:sldChg chg="addSp delSp modSp add mod">
-        <pc:chgData name="אור מן" userId="366511654a5deaf2" providerId="LiveId" clId="{5EBE0886-BCCD-4CD7-9677-734E3EC6CCB2}" dt="2021-05-25T06:13:33.771" v="1611" actId="14100"/>
+      <pc:sldChg chg="addSp delSp modSp add del mod">
+        <pc:chgData name="אור מן" userId="366511654a5deaf2" providerId="LiveId" clId="{5EBE0886-BCCD-4CD7-9677-734E3EC6CCB2}" dt="2021-05-29T15:59:20.766" v="1894" actId="2696"/>
         <pc:sldMkLst>
           <pc:docMk/>
           <pc:sldMk cId="361696936" sldId="273"/>
@@ -5347,8 +5346,8 @@
         </p:nvSpPr>
         <p:spPr>
           <a:xfrm>
-            <a:off x="0" y="0"/>
-            <a:ext cx="2971800" cy="458788"/>
+            <a:off x="0" y="1"/>
+            <a:ext cx="2971800" cy="499091"/>
           </a:xfrm>
           <a:prstGeom prst="rect">
             <a:avLst/>
@@ -5384,8 +5383,8 @@
         </p:nvSpPr>
         <p:spPr>
           <a:xfrm>
-            <a:off x="3884613" y="0"/>
-            <a:ext cx="2971800" cy="458788"/>
+            <a:off x="3884613" y="1"/>
+            <a:ext cx="2971800" cy="499091"/>
           </a:xfrm>
           <a:prstGeom prst="rect">
             <a:avLst/>
@@ -5401,7 +5400,7 @@
           <a:p>
             <a:fld id="{E7E4FA28-26D5-4BDF-9A75-C27596ADE055}" type="datetimeFigureOut">
               <a:rPr lang="en-US" smtClean="0"/>
-              <a:t>5/27/2021</a:t>
+              <a:t>5/29/2021</a:t>
             </a:fld>
             <a:endParaRPr lang="en-US" dirty="0"/>
           </a:p>
@@ -5425,8 +5424,8 @@
         </p:nvSpPr>
         <p:spPr>
           <a:xfrm>
-            <a:off x="0" y="8685213"/>
-            <a:ext cx="2971800" cy="458787"/>
+            <a:off x="0" y="9448185"/>
+            <a:ext cx="2971800" cy="499090"/>
           </a:xfrm>
           <a:prstGeom prst="rect">
             <a:avLst/>
@@ -5462,8 +5461,8 @@
         </p:nvSpPr>
         <p:spPr>
           <a:xfrm>
-            <a:off x="3884613" y="8685213"/>
-            <a:ext cx="2971800" cy="458787"/>
+            <a:off x="3884613" y="9448185"/>
+            <a:ext cx="2971800" cy="499090"/>
           </a:xfrm>
           <a:prstGeom prst="rect">
             <a:avLst/>
@@ -5530,8 +5529,8 @@
         </p:nvSpPr>
         <p:spPr>
           <a:xfrm>
-            <a:off x="0" y="0"/>
-            <a:ext cx="2971800" cy="458788"/>
+            <a:off x="0" y="1"/>
+            <a:ext cx="2971800" cy="499091"/>
           </a:xfrm>
           <a:prstGeom prst="rect">
             <a:avLst/>
@@ -5561,8 +5560,8 @@
         </p:nvSpPr>
         <p:spPr>
           <a:xfrm>
-            <a:off x="3884613" y="0"/>
-            <a:ext cx="2971800" cy="458788"/>
+            <a:off x="3884613" y="1"/>
+            <a:ext cx="2971800" cy="499091"/>
           </a:xfrm>
           <a:prstGeom prst="rect">
             <a:avLst/>
@@ -5578,7 +5577,7 @@
           <a:p>
             <a:fld id="{F7FE1D6F-8584-4A53-833D-DCA47225B220}" type="datetimeFigureOut">
               <a:rPr lang="en-US" smtClean="0"/>
-              <a:t>5/27/2021</a:t>
+              <a:t>5/28/2021</a:t>
             </a:fld>
             <a:endParaRPr lang="en-US" dirty="0"/>
           </a:p>
@@ -5596,8 +5595,8 @@
         </p:nvSpPr>
         <p:spPr>
           <a:xfrm>
-            <a:off x="685800" y="1143000"/>
-            <a:ext cx="5486400" cy="3086100"/>
+            <a:off x="444500" y="1243013"/>
+            <a:ext cx="5969000" cy="3357562"/>
           </a:xfrm>
           <a:prstGeom prst="rect">
             <a:avLst/>
@@ -5629,8 +5628,8 @@
         </p:nvSpPr>
         <p:spPr>
           <a:xfrm>
-            <a:off x="685800" y="4400550"/>
-            <a:ext cx="5486400" cy="3600450"/>
+            <a:off x="685800" y="4787125"/>
+            <a:ext cx="5486400" cy="3916741"/>
           </a:xfrm>
           <a:prstGeom prst="rect">
             <a:avLst/>
@@ -5688,8 +5687,8 @@
         </p:nvSpPr>
         <p:spPr>
           <a:xfrm>
-            <a:off x="0" y="8685213"/>
-            <a:ext cx="2971800" cy="458787"/>
+            <a:off x="0" y="9448185"/>
+            <a:ext cx="2971800" cy="499090"/>
           </a:xfrm>
           <a:prstGeom prst="rect">
             <a:avLst/>
@@ -5719,8 +5718,8 @@
         </p:nvSpPr>
         <p:spPr>
           <a:xfrm>
-            <a:off x="3884613" y="8685213"/>
-            <a:ext cx="2971800" cy="458787"/>
+            <a:off x="3884613" y="9448185"/>
+            <a:ext cx="2971800" cy="499090"/>
           </a:xfrm>
           <a:prstGeom prst="rect">
             <a:avLst/>
@@ -5843,6 +5842,678 @@
     </a:lvl9pPr>
   </p:notesStyle>
 </p:notesMaster>
+</file>
+
+<file path=ppt/notesSlides/notesSlide1.xml><?xml version="1.0" encoding="utf-8"?>
+<p:notes xmlns:a="http://schemas.openxmlformats.org/drawingml/2006/main" xmlns:r="http://schemas.openxmlformats.org/officeDocument/2006/relationships" xmlns:p="http://schemas.openxmlformats.org/presentationml/2006/main">
+  <p:cSld>
+    <p:spTree>
+      <p:nvGrpSpPr>
+        <p:cNvPr id="1" name=""/>
+        <p:cNvGrpSpPr/>
+        <p:nvPr/>
+      </p:nvGrpSpPr>
+      <p:grpSpPr>
+        <a:xfrm>
+          <a:off x="0" y="0"/>
+          <a:ext cx="0" cy="0"/>
+          <a:chOff x="0" y="0"/>
+          <a:chExt cx="0" cy="0"/>
+        </a:xfrm>
+      </p:grpSpPr>
+      <p:sp>
+        <p:nvSpPr>
+          <p:cNvPr id="2" name="Slide Image Placeholder 1"/>
+          <p:cNvSpPr>
+            <a:spLocks noGrp="1" noRot="1" noChangeAspect="1"/>
+          </p:cNvSpPr>
+          <p:nvPr>
+            <p:ph type="sldImg"/>
+          </p:nvPr>
+        </p:nvSpPr>
+        <p:spPr/>
+      </p:sp>
+      <p:sp>
+        <p:nvSpPr>
+          <p:cNvPr id="3" name="Notes Placeholder 2"/>
+          <p:cNvSpPr>
+            <a:spLocks noGrp="1"/>
+          </p:cNvSpPr>
+          <p:nvPr>
+            <p:ph type="body" idx="1"/>
+          </p:nvPr>
+        </p:nvSpPr>
+        <p:spPr/>
+        <p:txBody>
+          <a:bodyPr/>
+          <a:lstStyle/>
+          <a:p>
+            <a:endParaRPr lang="he-IL"/>
+          </a:p>
+        </p:txBody>
+      </p:sp>
+      <p:sp>
+        <p:nvSpPr>
+          <p:cNvPr id="4" name="Slide Number Placeholder 3"/>
+          <p:cNvSpPr>
+            <a:spLocks noGrp="1"/>
+          </p:cNvSpPr>
+          <p:nvPr>
+            <p:ph type="sldNum" sz="quarter" idx="5"/>
+          </p:nvPr>
+        </p:nvSpPr>
+        <p:spPr/>
+        <p:txBody>
+          <a:bodyPr/>
+          <a:lstStyle/>
+          <a:p>
+            <a:fld id="{BCF3874D-A20A-4B3E-9C12-F524953D5B76}" type="slidenum">
+              <a:rPr lang="en-US" smtClean="0"/>
+              <a:t>10</a:t>
+            </a:fld>
+            <a:endParaRPr lang="en-US" dirty="0"/>
+          </a:p>
+        </p:txBody>
+      </p:sp>
+    </p:spTree>
+    <p:extLst>
+      <p:ext uri="{BB962C8B-B14F-4D97-AF65-F5344CB8AC3E}">
+        <p14:creationId xmlns:p14="http://schemas.microsoft.com/office/powerpoint/2010/main" val="1110495687"/>
+      </p:ext>
+    </p:extLst>
+  </p:cSld>
+  <p:clrMapOvr>
+    <a:masterClrMapping/>
+  </p:clrMapOvr>
+</p:notes>
+</file>
+
+<file path=ppt/notesSlides/notesSlide2.xml><?xml version="1.0" encoding="utf-8"?>
+<p:notes xmlns:a="http://schemas.openxmlformats.org/drawingml/2006/main" xmlns:r="http://schemas.openxmlformats.org/officeDocument/2006/relationships" xmlns:p="http://schemas.openxmlformats.org/presentationml/2006/main">
+  <p:cSld>
+    <p:spTree>
+      <p:nvGrpSpPr>
+        <p:cNvPr id="1" name=""/>
+        <p:cNvGrpSpPr/>
+        <p:nvPr/>
+      </p:nvGrpSpPr>
+      <p:grpSpPr>
+        <a:xfrm>
+          <a:off x="0" y="0"/>
+          <a:ext cx="0" cy="0"/>
+          <a:chOff x="0" y="0"/>
+          <a:chExt cx="0" cy="0"/>
+        </a:xfrm>
+      </p:grpSpPr>
+      <p:sp>
+        <p:nvSpPr>
+          <p:cNvPr id="2" name="Slide Image Placeholder 1"/>
+          <p:cNvSpPr>
+            <a:spLocks noGrp="1" noRot="1" noChangeAspect="1"/>
+          </p:cNvSpPr>
+          <p:nvPr>
+            <p:ph type="sldImg"/>
+          </p:nvPr>
+        </p:nvSpPr>
+        <p:spPr/>
+      </p:sp>
+      <p:sp>
+        <p:nvSpPr>
+          <p:cNvPr id="3" name="Notes Placeholder 2"/>
+          <p:cNvSpPr>
+            <a:spLocks noGrp="1"/>
+          </p:cNvSpPr>
+          <p:nvPr>
+            <p:ph type="body" idx="1"/>
+          </p:nvPr>
+        </p:nvSpPr>
+        <p:spPr/>
+        <p:txBody>
+          <a:bodyPr/>
+          <a:lstStyle/>
+          <a:p>
+            <a:endParaRPr lang="he-IL"/>
+          </a:p>
+        </p:txBody>
+      </p:sp>
+      <p:sp>
+        <p:nvSpPr>
+          <p:cNvPr id="4" name="Slide Number Placeholder 3"/>
+          <p:cNvSpPr>
+            <a:spLocks noGrp="1"/>
+          </p:cNvSpPr>
+          <p:nvPr>
+            <p:ph type="sldNum" sz="quarter" idx="5"/>
+          </p:nvPr>
+        </p:nvSpPr>
+        <p:spPr/>
+        <p:txBody>
+          <a:bodyPr/>
+          <a:lstStyle/>
+          <a:p>
+            <a:fld id="{BCF3874D-A20A-4B3E-9C12-F524953D5B76}" type="slidenum">
+              <a:rPr lang="en-US" smtClean="0"/>
+              <a:t>11</a:t>
+            </a:fld>
+            <a:endParaRPr lang="en-US" dirty="0"/>
+          </a:p>
+        </p:txBody>
+      </p:sp>
+    </p:spTree>
+    <p:extLst>
+      <p:ext uri="{BB962C8B-B14F-4D97-AF65-F5344CB8AC3E}">
+        <p14:creationId xmlns:p14="http://schemas.microsoft.com/office/powerpoint/2010/main" val="875718922"/>
+      </p:ext>
+    </p:extLst>
+  </p:cSld>
+  <p:clrMapOvr>
+    <a:masterClrMapping/>
+  </p:clrMapOvr>
+</p:notes>
+</file>
+
+<file path=ppt/notesSlides/notesSlide3.xml><?xml version="1.0" encoding="utf-8"?>
+<p:notes xmlns:a="http://schemas.openxmlformats.org/drawingml/2006/main" xmlns:r="http://schemas.openxmlformats.org/officeDocument/2006/relationships" xmlns:p="http://schemas.openxmlformats.org/presentationml/2006/main">
+  <p:cSld>
+    <p:spTree>
+      <p:nvGrpSpPr>
+        <p:cNvPr id="1" name=""/>
+        <p:cNvGrpSpPr/>
+        <p:nvPr/>
+      </p:nvGrpSpPr>
+      <p:grpSpPr>
+        <a:xfrm>
+          <a:off x="0" y="0"/>
+          <a:ext cx="0" cy="0"/>
+          <a:chOff x="0" y="0"/>
+          <a:chExt cx="0" cy="0"/>
+        </a:xfrm>
+      </p:grpSpPr>
+      <p:sp>
+        <p:nvSpPr>
+          <p:cNvPr id="2" name="Slide Image Placeholder 1"/>
+          <p:cNvSpPr>
+            <a:spLocks noGrp="1" noRot="1" noChangeAspect="1"/>
+          </p:cNvSpPr>
+          <p:nvPr>
+            <p:ph type="sldImg"/>
+          </p:nvPr>
+        </p:nvSpPr>
+        <p:spPr/>
+      </p:sp>
+      <p:sp>
+        <p:nvSpPr>
+          <p:cNvPr id="3" name="Notes Placeholder 2"/>
+          <p:cNvSpPr>
+            <a:spLocks noGrp="1"/>
+          </p:cNvSpPr>
+          <p:nvPr>
+            <p:ph type="body" idx="1"/>
+          </p:nvPr>
+        </p:nvSpPr>
+        <p:spPr/>
+        <p:txBody>
+          <a:bodyPr/>
+          <a:lstStyle/>
+          <a:p>
+            <a:endParaRPr lang="he-IL"/>
+          </a:p>
+        </p:txBody>
+      </p:sp>
+      <p:sp>
+        <p:nvSpPr>
+          <p:cNvPr id="4" name="Slide Number Placeholder 3"/>
+          <p:cNvSpPr>
+            <a:spLocks noGrp="1"/>
+          </p:cNvSpPr>
+          <p:nvPr>
+            <p:ph type="sldNum" sz="quarter" idx="5"/>
+          </p:nvPr>
+        </p:nvSpPr>
+        <p:spPr/>
+        <p:txBody>
+          <a:bodyPr/>
+          <a:lstStyle/>
+          <a:p>
+            <a:fld id="{BCF3874D-A20A-4B3E-9C12-F524953D5B76}" type="slidenum">
+              <a:rPr lang="en-US" smtClean="0"/>
+              <a:t>12</a:t>
+            </a:fld>
+            <a:endParaRPr lang="en-US" dirty="0"/>
+          </a:p>
+        </p:txBody>
+      </p:sp>
+    </p:spTree>
+    <p:extLst>
+      <p:ext uri="{BB962C8B-B14F-4D97-AF65-F5344CB8AC3E}">
+        <p14:creationId xmlns:p14="http://schemas.microsoft.com/office/powerpoint/2010/main" val="1269380136"/>
+      </p:ext>
+    </p:extLst>
+  </p:cSld>
+  <p:clrMapOvr>
+    <a:masterClrMapping/>
+  </p:clrMapOvr>
+</p:notes>
+</file>
+
+<file path=ppt/notesSlides/notesSlide4.xml><?xml version="1.0" encoding="utf-8"?>
+<p:notes xmlns:a="http://schemas.openxmlformats.org/drawingml/2006/main" xmlns:r="http://schemas.openxmlformats.org/officeDocument/2006/relationships" xmlns:p="http://schemas.openxmlformats.org/presentationml/2006/main">
+  <p:cSld>
+    <p:spTree>
+      <p:nvGrpSpPr>
+        <p:cNvPr id="1" name=""/>
+        <p:cNvGrpSpPr/>
+        <p:nvPr/>
+      </p:nvGrpSpPr>
+      <p:grpSpPr>
+        <a:xfrm>
+          <a:off x="0" y="0"/>
+          <a:ext cx="0" cy="0"/>
+          <a:chOff x="0" y="0"/>
+          <a:chExt cx="0" cy="0"/>
+        </a:xfrm>
+      </p:grpSpPr>
+      <p:sp>
+        <p:nvSpPr>
+          <p:cNvPr id="2" name="Slide Image Placeholder 1"/>
+          <p:cNvSpPr>
+            <a:spLocks noGrp="1" noRot="1" noChangeAspect="1"/>
+          </p:cNvSpPr>
+          <p:nvPr>
+            <p:ph type="sldImg"/>
+          </p:nvPr>
+        </p:nvSpPr>
+        <p:spPr/>
+      </p:sp>
+      <p:sp>
+        <p:nvSpPr>
+          <p:cNvPr id="3" name="Notes Placeholder 2"/>
+          <p:cNvSpPr>
+            <a:spLocks noGrp="1"/>
+          </p:cNvSpPr>
+          <p:nvPr>
+            <p:ph type="body" idx="1"/>
+          </p:nvPr>
+        </p:nvSpPr>
+        <p:spPr/>
+        <p:txBody>
+          <a:bodyPr/>
+          <a:lstStyle/>
+          <a:p>
+            <a:endParaRPr lang="he-IL"/>
+          </a:p>
+        </p:txBody>
+      </p:sp>
+      <p:sp>
+        <p:nvSpPr>
+          <p:cNvPr id="4" name="Slide Number Placeholder 3"/>
+          <p:cNvSpPr>
+            <a:spLocks noGrp="1"/>
+          </p:cNvSpPr>
+          <p:nvPr>
+            <p:ph type="sldNum" sz="quarter" idx="5"/>
+          </p:nvPr>
+        </p:nvSpPr>
+        <p:spPr/>
+        <p:txBody>
+          <a:bodyPr/>
+          <a:lstStyle/>
+          <a:p>
+            <a:fld id="{BCF3874D-A20A-4B3E-9C12-F524953D5B76}" type="slidenum">
+              <a:rPr lang="en-US" smtClean="0"/>
+              <a:t>13</a:t>
+            </a:fld>
+            <a:endParaRPr lang="en-US" dirty="0"/>
+          </a:p>
+        </p:txBody>
+      </p:sp>
+    </p:spTree>
+    <p:extLst>
+      <p:ext uri="{BB962C8B-B14F-4D97-AF65-F5344CB8AC3E}">
+        <p14:creationId xmlns:p14="http://schemas.microsoft.com/office/powerpoint/2010/main" val="2943651903"/>
+      </p:ext>
+    </p:extLst>
+  </p:cSld>
+  <p:clrMapOvr>
+    <a:masterClrMapping/>
+  </p:clrMapOvr>
+</p:notes>
+</file>
+
+<file path=ppt/notesSlides/notesSlide5.xml><?xml version="1.0" encoding="utf-8"?>
+<p:notes xmlns:a="http://schemas.openxmlformats.org/drawingml/2006/main" xmlns:r="http://schemas.openxmlformats.org/officeDocument/2006/relationships" xmlns:p="http://schemas.openxmlformats.org/presentationml/2006/main">
+  <p:cSld>
+    <p:spTree>
+      <p:nvGrpSpPr>
+        <p:cNvPr id="1" name=""/>
+        <p:cNvGrpSpPr/>
+        <p:nvPr/>
+      </p:nvGrpSpPr>
+      <p:grpSpPr>
+        <a:xfrm>
+          <a:off x="0" y="0"/>
+          <a:ext cx="0" cy="0"/>
+          <a:chOff x="0" y="0"/>
+          <a:chExt cx="0" cy="0"/>
+        </a:xfrm>
+      </p:grpSpPr>
+      <p:sp>
+        <p:nvSpPr>
+          <p:cNvPr id="2" name="Slide Image Placeholder 1"/>
+          <p:cNvSpPr>
+            <a:spLocks noGrp="1" noRot="1" noChangeAspect="1"/>
+          </p:cNvSpPr>
+          <p:nvPr>
+            <p:ph type="sldImg"/>
+          </p:nvPr>
+        </p:nvSpPr>
+        <p:spPr/>
+      </p:sp>
+      <p:sp>
+        <p:nvSpPr>
+          <p:cNvPr id="3" name="Notes Placeholder 2"/>
+          <p:cNvSpPr>
+            <a:spLocks noGrp="1"/>
+          </p:cNvSpPr>
+          <p:nvPr>
+            <p:ph type="body" idx="1"/>
+          </p:nvPr>
+        </p:nvSpPr>
+        <p:spPr/>
+        <p:txBody>
+          <a:bodyPr/>
+          <a:lstStyle/>
+          <a:p>
+            <a:endParaRPr lang="he-IL"/>
+          </a:p>
+        </p:txBody>
+      </p:sp>
+      <p:sp>
+        <p:nvSpPr>
+          <p:cNvPr id="4" name="Slide Number Placeholder 3"/>
+          <p:cNvSpPr>
+            <a:spLocks noGrp="1"/>
+          </p:cNvSpPr>
+          <p:nvPr>
+            <p:ph type="sldNum" sz="quarter" idx="5"/>
+          </p:nvPr>
+        </p:nvSpPr>
+        <p:spPr/>
+        <p:txBody>
+          <a:bodyPr/>
+          <a:lstStyle/>
+          <a:p>
+            <a:fld id="{BCF3874D-A20A-4B3E-9C12-F524953D5B76}" type="slidenum">
+              <a:rPr lang="en-US" smtClean="0"/>
+              <a:t>14</a:t>
+            </a:fld>
+            <a:endParaRPr lang="en-US" dirty="0"/>
+          </a:p>
+        </p:txBody>
+      </p:sp>
+    </p:spTree>
+    <p:extLst>
+      <p:ext uri="{BB962C8B-B14F-4D97-AF65-F5344CB8AC3E}">
+        <p14:creationId xmlns:p14="http://schemas.microsoft.com/office/powerpoint/2010/main" val="2818391615"/>
+      </p:ext>
+    </p:extLst>
+  </p:cSld>
+  <p:clrMapOvr>
+    <a:masterClrMapping/>
+  </p:clrMapOvr>
+</p:notes>
+</file>
+
+<file path=ppt/notesSlides/notesSlide6.xml><?xml version="1.0" encoding="utf-8"?>
+<p:notes xmlns:a="http://schemas.openxmlformats.org/drawingml/2006/main" xmlns:r="http://schemas.openxmlformats.org/officeDocument/2006/relationships" xmlns:p="http://schemas.openxmlformats.org/presentationml/2006/main">
+  <p:cSld>
+    <p:spTree>
+      <p:nvGrpSpPr>
+        <p:cNvPr id="1" name=""/>
+        <p:cNvGrpSpPr/>
+        <p:nvPr/>
+      </p:nvGrpSpPr>
+      <p:grpSpPr>
+        <a:xfrm>
+          <a:off x="0" y="0"/>
+          <a:ext cx="0" cy="0"/>
+          <a:chOff x="0" y="0"/>
+          <a:chExt cx="0" cy="0"/>
+        </a:xfrm>
+      </p:grpSpPr>
+      <p:sp>
+        <p:nvSpPr>
+          <p:cNvPr id="2" name="Slide Image Placeholder 1"/>
+          <p:cNvSpPr>
+            <a:spLocks noGrp="1" noRot="1" noChangeAspect="1"/>
+          </p:cNvSpPr>
+          <p:nvPr>
+            <p:ph type="sldImg"/>
+          </p:nvPr>
+        </p:nvSpPr>
+        <p:spPr/>
+      </p:sp>
+      <p:sp>
+        <p:nvSpPr>
+          <p:cNvPr id="3" name="Notes Placeholder 2"/>
+          <p:cNvSpPr>
+            <a:spLocks noGrp="1"/>
+          </p:cNvSpPr>
+          <p:nvPr>
+            <p:ph type="body" idx="1"/>
+          </p:nvPr>
+        </p:nvSpPr>
+        <p:spPr/>
+        <p:txBody>
+          <a:bodyPr/>
+          <a:lstStyle/>
+          <a:p>
+            <a:endParaRPr lang="he-IL"/>
+          </a:p>
+        </p:txBody>
+      </p:sp>
+      <p:sp>
+        <p:nvSpPr>
+          <p:cNvPr id="4" name="Slide Number Placeholder 3"/>
+          <p:cNvSpPr>
+            <a:spLocks noGrp="1"/>
+          </p:cNvSpPr>
+          <p:nvPr>
+            <p:ph type="sldNum" sz="quarter" idx="5"/>
+          </p:nvPr>
+        </p:nvSpPr>
+        <p:spPr/>
+        <p:txBody>
+          <a:bodyPr/>
+          <a:lstStyle/>
+          <a:p>
+            <a:fld id="{BCF3874D-A20A-4B3E-9C12-F524953D5B76}" type="slidenum">
+              <a:rPr lang="en-US" smtClean="0"/>
+              <a:t>15</a:t>
+            </a:fld>
+            <a:endParaRPr lang="en-US" dirty="0"/>
+          </a:p>
+        </p:txBody>
+      </p:sp>
+    </p:spTree>
+    <p:extLst>
+      <p:ext uri="{BB962C8B-B14F-4D97-AF65-F5344CB8AC3E}">
+        <p14:creationId xmlns:p14="http://schemas.microsoft.com/office/powerpoint/2010/main" val="1483753801"/>
+      </p:ext>
+    </p:extLst>
+  </p:cSld>
+  <p:clrMapOvr>
+    <a:masterClrMapping/>
+  </p:clrMapOvr>
+</p:notes>
+</file>
+
+<file path=ppt/notesSlides/notesSlide7.xml><?xml version="1.0" encoding="utf-8"?>
+<p:notes xmlns:a="http://schemas.openxmlformats.org/drawingml/2006/main" xmlns:r="http://schemas.openxmlformats.org/officeDocument/2006/relationships" xmlns:p="http://schemas.openxmlformats.org/presentationml/2006/main">
+  <p:cSld>
+    <p:spTree>
+      <p:nvGrpSpPr>
+        <p:cNvPr id="1" name=""/>
+        <p:cNvGrpSpPr/>
+        <p:nvPr/>
+      </p:nvGrpSpPr>
+      <p:grpSpPr>
+        <a:xfrm>
+          <a:off x="0" y="0"/>
+          <a:ext cx="0" cy="0"/>
+          <a:chOff x="0" y="0"/>
+          <a:chExt cx="0" cy="0"/>
+        </a:xfrm>
+      </p:grpSpPr>
+      <p:sp>
+        <p:nvSpPr>
+          <p:cNvPr id="2" name="Slide Image Placeholder 1"/>
+          <p:cNvSpPr>
+            <a:spLocks noGrp="1" noRot="1" noChangeAspect="1"/>
+          </p:cNvSpPr>
+          <p:nvPr>
+            <p:ph type="sldImg"/>
+          </p:nvPr>
+        </p:nvSpPr>
+        <p:spPr/>
+      </p:sp>
+      <p:sp>
+        <p:nvSpPr>
+          <p:cNvPr id="3" name="Notes Placeholder 2"/>
+          <p:cNvSpPr>
+            <a:spLocks noGrp="1"/>
+          </p:cNvSpPr>
+          <p:nvPr>
+            <p:ph type="body" idx="1"/>
+          </p:nvPr>
+        </p:nvSpPr>
+        <p:spPr/>
+        <p:txBody>
+          <a:bodyPr/>
+          <a:lstStyle/>
+          <a:p>
+            <a:endParaRPr lang="he-IL"/>
+          </a:p>
+        </p:txBody>
+      </p:sp>
+      <p:sp>
+        <p:nvSpPr>
+          <p:cNvPr id="4" name="Slide Number Placeholder 3"/>
+          <p:cNvSpPr>
+            <a:spLocks noGrp="1"/>
+          </p:cNvSpPr>
+          <p:nvPr>
+            <p:ph type="sldNum" sz="quarter" idx="5"/>
+          </p:nvPr>
+        </p:nvSpPr>
+        <p:spPr/>
+        <p:txBody>
+          <a:bodyPr/>
+          <a:lstStyle/>
+          <a:p>
+            <a:fld id="{BCF3874D-A20A-4B3E-9C12-F524953D5B76}" type="slidenum">
+              <a:rPr lang="en-US" smtClean="0"/>
+              <a:t>16</a:t>
+            </a:fld>
+            <a:endParaRPr lang="en-US" dirty="0"/>
+          </a:p>
+        </p:txBody>
+      </p:sp>
+    </p:spTree>
+    <p:extLst>
+      <p:ext uri="{BB962C8B-B14F-4D97-AF65-F5344CB8AC3E}">
+        <p14:creationId xmlns:p14="http://schemas.microsoft.com/office/powerpoint/2010/main" val="3119917099"/>
+      </p:ext>
+    </p:extLst>
+  </p:cSld>
+  <p:clrMapOvr>
+    <a:masterClrMapping/>
+  </p:clrMapOvr>
+</p:notes>
+</file>
+
+<file path=ppt/notesSlides/notesSlide8.xml><?xml version="1.0" encoding="utf-8"?>
+<p:notes xmlns:a="http://schemas.openxmlformats.org/drawingml/2006/main" xmlns:r="http://schemas.openxmlformats.org/officeDocument/2006/relationships" xmlns:p="http://schemas.openxmlformats.org/presentationml/2006/main">
+  <p:cSld>
+    <p:spTree>
+      <p:nvGrpSpPr>
+        <p:cNvPr id="1" name=""/>
+        <p:cNvGrpSpPr/>
+        <p:nvPr/>
+      </p:nvGrpSpPr>
+      <p:grpSpPr>
+        <a:xfrm>
+          <a:off x="0" y="0"/>
+          <a:ext cx="0" cy="0"/>
+          <a:chOff x="0" y="0"/>
+          <a:chExt cx="0" cy="0"/>
+        </a:xfrm>
+      </p:grpSpPr>
+      <p:sp>
+        <p:nvSpPr>
+          <p:cNvPr id="2" name="Slide Image Placeholder 1"/>
+          <p:cNvSpPr>
+            <a:spLocks noGrp="1" noRot="1" noChangeAspect="1"/>
+          </p:cNvSpPr>
+          <p:nvPr>
+            <p:ph type="sldImg"/>
+          </p:nvPr>
+        </p:nvSpPr>
+        <p:spPr/>
+      </p:sp>
+      <p:sp>
+        <p:nvSpPr>
+          <p:cNvPr id="3" name="Notes Placeholder 2"/>
+          <p:cNvSpPr>
+            <a:spLocks noGrp="1"/>
+          </p:cNvSpPr>
+          <p:nvPr>
+            <p:ph type="body" idx="1"/>
+          </p:nvPr>
+        </p:nvSpPr>
+        <p:spPr/>
+        <p:txBody>
+          <a:bodyPr/>
+          <a:lstStyle/>
+          <a:p>
+            <a:endParaRPr lang="he-IL"/>
+          </a:p>
+        </p:txBody>
+      </p:sp>
+      <p:sp>
+        <p:nvSpPr>
+          <p:cNvPr id="4" name="Slide Number Placeholder 3"/>
+          <p:cNvSpPr>
+            <a:spLocks noGrp="1"/>
+          </p:cNvSpPr>
+          <p:nvPr>
+            <p:ph type="sldNum" sz="quarter" idx="5"/>
+          </p:nvPr>
+        </p:nvSpPr>
+        <p:spPr/>
+        <p:txBody>
+          <a:bodyPr/>
+          <a:lstStyle/>
+          <a:p>
+            <a:fld id="{BCF3874D-A20A-4B3E-9C12-F524953D5B76}" type="slidenum">
+              <a:rPr lang="en-US" smtClean="0"/>
+              <a:t>17</a:t>
+            </a:fld>
+            <a:endParaRPr lang="en-US" dirty="0"/>
+          </a:p>
+        </p:txBody>
+      </p:sp>
+    </p:spTree>
+    <p:extLst>
+      <p:ext uri="{BB962C8B-B14F-4D97-AF65-F5344CB8AC3E}">
+        <p14:creationId xmlns:p14="http://schemas.microsoft.com/office/powerpoint/2010/main" val="524457880"/>
+      </p:ext>
+    </p:extLst>
+  </p:cSld>
+  <p:clrMapOvr>
+    <a:masterClrMapping/>
+  </p:clrMapOvr>
+</p:notes>
 </file>
 
 <file path=ppt/slideLayouts/slideLayout1.xml><?xml version="1.0" encoding="utf-8"?>
@@ -5987,7 +6658,7 @@
           <a:p>
             <a:fld id="{2D202488-4139-4052-B998-251C9C912739}" type="datetimeFigureOut">
               <a:rPr lang="en-US" noProof="0" smtClean="0"/>
-              <a:t>5/27/2021</a:t>
+              <a:t>5/28/2021</a:t>
             </a:fld>
             <a:endParaRPr lang="en-US" noProof="0" dirty="0"/>
           </a:p>
@@ -6239,7 +6910,7 @@
           <a:p>
             <a:fld id="{2D202488-4139-4052-B998-251C9C912739}" type="datetimeFigureOut">
               <a:rPr lang="en-US" noProof="0" smtClean="0"/>
-              <a:t>5/27/2021</a:t>
+              <a:t>5/28/2021</a:t>
             </a:fld>
             <a:endParaRPr lang="en-US" noProof="0" dirty="0"/>
           </a:p>
@@ -7138,7 +7809,7 @@
             <a:fld id="{2D202488-4139-4052-B998-251C9C912739}" type="datetimeFigureOut">
               <a:rPr lang="en-US" noProof="0" smtClean="0"/>
               <a:pPr/>
-              <a:t>5/27/2021</a:t>
+              <a:t>5/28/2021</a:t>
             </a:fld>
             <a:endParaRPr lang="en-US" noProof="0" dirty="0"/>
           </a:p>
@@ -7320,7 +7991,7 @@
           <a:p>
             <a:fld id="{2D202488-4139-4052-B998-251C9C912739}" type="datetimeFigureOut">
               <a:rPr lang="en-US" noProof="0" smtClean="0"/>
-              <a:t>5/27/2021</a:t>
+              <a:t>5/28/2021</a:t>
             </a:fld>
             <a:endParaRPr lang="en-US" noProof="0" dirty="0"/>
           </a:p>
@@ -7626,7 +8297,7 @@
           <a:p>
             <a:fld id="{2D202488-4139-4052-B998-251C9C912739}" type="datetimeFigureOut">
               <a:rPr lang="en-US" noProof="0" smtClean="0"/>
-              <a:t>5/27/2021</a:t>
+              <a:t>5/28/2021</a:t>
             </a:fld>
             <a:endParaRPr lang="en-US" noProof="0" dirty="0"/>
           </a:p>
@@ -7864,7 +8535,7 @@
           <a:p>
             <a:fld id="{2D202488-4139-4052-B998-251C9C912739}" type="datetimeFigureOut">
               <a:rPr lang="en-US" noProof="0" smtClean="0"/>
-              <a:t>5/27/2021</a:t>
+              <a:t>5/28/2021</a:t>
             </a:fld>
             <a:endParaRPr lang="en-US" noProof="0" dirty="0"/>
           </a:p>
@@ -8284,7 +8955,7 @@
           <a:p>
             <a:fld id="{2D202488-4139-4052-B998-251C9C912739}" type="datetimeFigureOut">
               <a:rPr lang="en-US" noProof="0" smtClean="0"/>
-              <a:t>5/27/2021</a:t>
+              <a:t>5/28/2021</a:t>
             </a:fld>
             <a:endParaRPr lang="en-US" noProof="0" dirty="0"/>
           </a:p>
@@ -8444,7 +9115,7 @@
           <a:p>
             <a:fld id="{2D202488-4139-4052-B998-251C9C912739}" type="datetimeFigureOut">
               <a:rPr lang="en-US" noProof="0" smtClean="0"/>
-              <a:t>5/27/2021</a:t>
+              <a:t>5/28/2021</a:t>
             </a:fld>
             <a:endParaRPr lang="en-US" noProof="0" dirty="0"/>
           </a:p>
@@ -8604,7 +9275,7 @@
           <a:p>
             <a:fld id="{2D202488-4139-4052-B998-251C9C912739}" type="datetimeFigureOut">
               <a:rPr lang="en-US" noProof="0" smtClean="0"/>
-              <a:t>5/27/2021</a:t>
+              <a:t>5/28/2021</a:t>
             </a:fld>
             <a:endParaRPr lang="en-US" noProof="0" dirty="0"/>
           </a:p>
@@ -8809,7 +9480,7 @@
           <a:p>
             <a:fld id="{2D202488-4139-4052-B998-251C9C912739}" type="datetimeFigureOut">
               <a:rPr lang="en-US" noProof="0" smtClean="0"/>
-              <a:t>5/27/2021</a:t>
+              <a:t>5/28/2021</a:t>
             </a:fld>
             <a:endParaRPr lang="en-US" noProof="0" dirty="0"/>
           </a:p>
@@ -9025,7 +9696,7 @@
           <a:p>
             <a:fld id="{2D202488-4139-4052-B998-251C9C912739}" type="datetimeFigureOut">
               <a:rPr lang="en-US" noProof="0" smtClean="0"/>
-              <a:t>5/27/2021</a:t>
+              <a:t>5/28/2021</a:t>
             </a:fld>
             <a:endParaRPr lang="en-US" noProof="0" dirty="0"/>
           </a:p>
@@ -9382,7 +10053,7 @@
             <a:fld id="{2D202488-4139-4052-B998-251C9C912739}" type="datetimeFigureOut">
               <a:rPr lang="en-US" noProof="0" smtClean="0"/>
               <a:pPr/>
-              <a:t>5/27/2021</a:t>
+              <a:t>5/28/2021</a:t>
             </a:fld>
             <a:endParaRPr lang="en-US" noProof="0" dirty="0"/>
           </a:p>
@@ -10272,7 +10943,7 @@
           <p:nvPr/>
         </p:nvPicPr>
         <p:blipFill>
-          <a:blip r:embed="rId2">
+          <a:blip r:embed="rId3">
             <a:clrChange>
               <a:clrFrom>
                 <a:srgbClr val="FFFFFF"/>
@@ -10372,7 +11043,7 @@
           <p:nvPr/>
         </p:nvPicPr>
         <p:blipFill>
-          <a:blip r:embed="rId2"/>
+          <a:blip r:embed="rId3"/>
           <a:stretch>
             <a:fillRect/>
           </a:stretch>
@@ -10402,7 +11073,7 @@
           <p:nvPr/>
         </p:nvPicPr>
         <p:blipFill>
-          <a:blip r:embed="rId3">
+          <a:blip r:embed="rId4">
             <a:clrChange>
               <a:clrFrom>
                 <a:srgbClr val="FFFFFF"/>
@@ -10502,7 +11173,7 @@
           <p:nvPr/>
         </p:nvPicPr>
         <p:blipFill>
-          <a:blip r:embed="rId2"/>
+          <a:blip r:embed="rId3"/>
           <a:stretch>
             <a:fillRect/>
           </a:stretch>
@@ -10532,7 +11203,7 @@
           <p:nvPr/>
         </p:nvPicPr>
         <p:blipFill>
-          <a:blip r:embed="rId3"/>
+          <a:blip r:embed="rId4"/>
           <a:stretch>
             <a:fillRect/>
           </a:stretch>
@@ -10621,7 +11292,7 @@
           <p:nvPr/>
         </p:nvPicPr>
         <p:blipFill>
-          <a:blip r:embed="rId2"/>
+          <a:blip r:embed="rId3"/>
           <a:stretch>
             <a:fillRect/>
           </a:stretch>
@@ -10710,7 +11381,7 @@
           <p:nvPr/>
         </p:nvPicPr>
         <p:blipFill>
-          <a:blip r:embed="rId2">
+          <a:blip r:embed="rId3">
             <a:clrChange>
               <a:clrFrom>
                 <a:srgbClr val="FFFFFF"/>
@@ -10810,7 +11481,7 @@
           <p:nvPr/>
         </p:nvPicPr>
         <p:blipFill>
-          <a:blip r:embed="rId2">
+          <a:blip r:embed="rId3">
             <a:clrChange>
               <a:clrFrom>
                 <a:srgbClr val="FFFFFF"/>
@@ -10851,7 +11522,7 @@
           <p:nvPr/>
         </p:nvPicPr>
         <p:blipFill>
-          <a:blip r:embed="rId3"/>
+          <a:blip r:embed="rId4"/>
           <a:stretch>
             <a:fillRect/>
           </a:stretch>
@@ -10919,95 +11590,6 @@
           <a:p>
             <a:r>
               <a:rPr lang="en-US" dirty="0"/>
-              <a:t>Code EXAMPLE – output 2</a:t>
-            </a:r>
-            <a:endParaRPr lang="he-IL" dirty="0"/>
-          </a:p>
-        </p:txBody>
-      </p:sp>
-      <p:pic>
-        <p:nvPicPr>
-          <p:cNvPr id="5" name="Picture 4">
-            <a:extLst>
-              <a:ext uri="{FF2B5EF4-FFF2-40B4-BE49-F238E27FC236}">
-                <a16:creationId xmlns:a16="http://schemas.microsoft.com/office/drawing/2014/main" id="{91EEF08C-60C1-4BC9-A225-812BA3D638C4}"/>
-              </a:ext>
-            </a:extLst>
-          </p:cNvPr>
-          <p:cNvPicPr>
-            <a:picLocks noChangeAspect="1"/>
-          </p:cNvPicPr>
-          <p:nvPr/>
-        </p:nvPicPr>
-        <p:blipFill>
-          <a:blip r:embed="rId2"/>
-          <a:stretch>
-            <a:fillRect/>
-          </a:stretch>
-        </p:blipFill>
-        <p:spPr>
-          <a:xfrm>
-            <a:off x="4002833" y="1604865"/>
-            <a:ext cx="4351046" cy="5061527"/>
-          </a:xfrm>
-          <a:prstGeom prst="rect">
-            <a:avLst/>
-          </a:prstGeom>
-        </p:spPr>
-      </p:pic>
-    </p:spTree>
-    <p:extLst>
-      <p:ext uri="{BB962C8B-B14F-4D97-AF65-F5344CB8AC3E}">
-        <p14:creationId xmlns:p14="http://schemas.microsoft.com/office/powerpoint/2010/main" val="361696936"/>
-      </p:ext>
-    </p:extLst>
-  </p:cSld>
-  <p:clrMapOvr>
-    <a:masterClrMapping/>
-  </p:clrMapOvr>
-</p:sld>
-</file>
-
-<file path=ppt/slides/slide18.xml><?xml version="1.0" encoding="utf-8"?>
-<p:sld xmlns:a="http://schemas.openxmlformats.org/drawingml/2006/main" xmlns:r="http://schemas.openxmlformats.org/officeDocument/2006/relationships" xmlns:p="http://schemas.openxmlformats.org/presentationml/2006/main">
-  <p:cSld>
-    <p:spTree>
-      <p:nvGrpSpPr>
-        <p:cNvPr id="1" name=""/>
-        <p:cNvGrpSpPr/>
-        <p:nvPr/>
-      </p:nvGrpSpPr>
-      <p:grpSpPr>
-        <a:xfrm>
-          <a:off x="0" y="0"/>
-          <a:ext cx="0" cy="0"/>
-          <a:chOff x="0" y="0"/>
-          <a:chExt cx="0" cy="0"/>
-        </a:xfrm>
-      </p:grpSpPr>
-      <p:sp>
-        <p:nvSpPr>
-          <p:cNvPr id="2" name="Title 1">
-            <a:extLst>
-              <a:ext uri="{FF2B5EF4-FFF2-40B4-BE49-F238E27FC236}">
-                <a16:creationId xmlns:a16="http://schemas.microsoft.com/office/drawing/2014/main" id="{DBFCA95E-E36D-4493-9DA2-BAFA84748CD1}"/>
-              </a:ext>
-            </a:extLst>
-          </p:cNvPr>
-          <p:cNvSpPr>
-            <a:spLocks noGrp="1"/>
-          </p:cNvSpPr>
-          <p:nvPr>
-            <p:ph type="title"/>
-          </p:nvPr>
-        </p:nvSpPr>
-        <p:spPr/>
-        <p:txBody>
-          <a:bodyPr/>
-          <a:lstStyle/>
-          <a:p>
-            <a:r>
-              <a:rPr lang="en-US" dirty="0"/>
               <a:t>Code EXAMPLE – output 2 compare</a:t>
             </a:r>
             <a:endParaRPr lang="he-IL" dirty="0"/>
@@ -11029,7 +11611,7 @@
           <p:nvPr/>
         </p:nvPicPr>
         <p:blipFill>
-          <a:blip r:embed="rId2"/>
+          <a:blip r:embed="rId3"/>
           <a:stretch>
             <a:fillRect/>
           </a:stretch>
@@ -12883,7 +13465,7 @@
                 <a:ea typeface="Tahoma" panose="020B0604030504040204" pitchFamily="34" charset="0"/>
                 <a:cs typeface="Tahoma" panose="020B0604030504040204" pitchFamily="34" charset="0"/>
               </a:rPr>
-              <a:t>Are you associate with the same kind of people.</a:t>
+              <a:t>Are you associate with the same people?</a:t>
             </a:r>
           </a:p>
           <a:p>
@@ -19596,15 +20178,6 @@
 </file>
 
 <file path=customXml/item1.xml><?xml version="1.0" encoding="utf-8"?>
-<?mso-contentType ?>
-<FormTemplates xmlns="http://schemas.microsoft.com/sharepoint/v3/contenttype/forms">
-  <Display>DocumentLibraryForm</Display>
-  <Edit>DocumentLibraryForm</Edit>
-  <New>DocumentLibraryForm</New>
-</FormTemplates>
-</file>
-
-<file path=customXml/item2.xml><?xml version="1.0" encoding="utf-8"?>
 <ct:contentTypeSchema xmlns:ct="http://schemas.microsoft.com/office/2006/metadata/contentType" xmlns:ma="http://schemas.microsoft.com/office/2006/metadata/properties/metaAttributes" ct:_="" ma:_="" ma:contentTypeName="Document" ma:contentTypeID="0x01010079F111ED35F8CC479449609E8A0923A6" ma:contentTypeVersion="11" ma:contentTypeDescription="Create a new document." ma:contentTypeScope="" ma:versionID="96291512c1ee715ab617f4c07df79fc1">
   <xsd:schema xmlns:xsd="http://www.w3.org/2001/XMLSchema" xmlns:xs="http://www.w3.org/2001/XMLSchema" xmlns:p="http://schemas.microsoft.com/office/2006/metadata/properties" xmlns:ns2="71af3243-3dd4-4a8d-8c0d-dd76da1f02a5" xmlns:ns3="16c05727-aa75-4e4a-9b5f-8a80a1165891" targetNamespace="http://schemas.microsoft.com/office/2006/metadata/properties" ma:root="true" ma:fieldsID="8256c27c40ca5c40ce1cf6c44f0205df" ns2:_="" ns3:_="">
     <xsd:import namespace="71af3243-3dd4-4a8d-8c0d-dd76da1f02a5"/>
@@ -19815,6 +20388,15 @@
 </ct:contentTypeSchema>
 </file>
 
+<file path=customXml/item2.xml><?xml version="1.0" encoding="utf-8"?>
+<?mso-contentType ?>
+<FormTemplates xmlns="http://schemas.microsoft.com/sharepoint/v3/contenttype/forms">
+  <Display>DocumentLibraryForm</Display>
+  <Edit>DocumentLibraryForm</Edit>
+  <New>DocumentLibraryForm</New>
+</FormTemplates>
+</file>
+
 <file path=customXml/item3.xml><?xml version="1.0" encoding="utf-8"?>
 <p:properties xmlns:p="http://schemas.microsoft.com/office/2006/metadata/properties" xmlns:xsi="http://www.w3.org/2001/XMLSchema-instance" xmlns:pc="http://schemas.microsoft.com/office/infopath/2007/PartnerControls">
   <documentManagement>
@@ -19824,14 +20406,6 @@
 </file>
 
 <file path=customXml/itemProps1.xml><?xml version="1.0" encoding="utf-8"?>
-<ds:datastoreItem xmlns:ds="http://schemas.openxmlformats.org/officeDocument/2006/customXml" ds:itemID="{459C8665-7E41-4E8E-957E-307F6F826AF4}">
-  <ds:schemaRefs>
-    <ds:schemaRef ds:uri="http://schemas.microsoft.com/sharepoint/v3/contenttype/forms"/>
-  </ds:schemaRefs>
-</ds:datastoreItem>
-</file>
-
-<file path=customXml/itemProps2.xml><?xml version="1.0" encoding="utf-8"?>
 <ds:datastoreItem xmlns:ds="http://schemas.openxmlformats.org/officeDocument/2006/customXml" ds:itemID="{CFA01955-FFEB-4169-B0BF-D790410D62EE}">
   <ds:schemaRefs>
     <ds:schemaRef ds:uri="http://schemas.microsoft.com/office/2006/metadata/contentType"/>
@@ -19850,12 +20424,27 @@
 </ds:datastoreItem>
 </file>
 
+<file path=customXml/itemProps2.xml><?xml version="1.0" encoding="utf-8"?>
+<ds:datastoreItem xmlns:ds="http://schemas.openxmlformats.org/officeDocument/2006/customXml" ds:itemID="{459C8665-7E41-4E8E-957E-307F6F826AF4}">
+  <ds:schemaRefs>
+    <ds:schemaRef ds:uri="http://schemas.microsoft.com/sharepoint/v3/contenttype/forms"/>
+  </ds:schemaRefs>
+</ds:datastoreItem>
+</file>
+
 <file path=customXml/itemProps3.xml><?xml version="1.0" encoding="utf-8"?>
 <ds:datastoreItem xmlns:ds="http://schemas.openxmlformats.org/officeDocument/2006/customXml" ds:itemID="{FA1DB373-C1A1-4924-9AF2-F04368201509}">
   <ds:schemaRefs>
+    <ds:schemaRef ds:uri="71af3243-3dd4-4a8d-8c0d-dd76da1f02a5"/>
+    <ds:schemaRef ds:uri="http://purl.org/dc/elements/1.1/"/>
+    <ds:schemaRef ds:uri="http://schemas.microsoft.com/office/2006/documentManagement/types"/>
+    <ds:schemaRef ds:uri="http://purl.org/dc/dcmitype/"/>
+    <ds:schemaRef ds:uri="http://www.w3.org/XML/1998/namespace"/>
+    <ds:schemaRef ds:uri="http://schemas.microsoft.com/office/infopath/2007/PartnerControls"/>
+    <ds:schemaRef ds:uri="http://schemas.openxmlformats.org/package/2006/metadata/core-properties"/>
+    <ds:schemaRef ds:uri="16c05727-aa75-4e4a-9b5f-8a80a1165891"/>
     <ds:schemaRef ds:uri="http://schemas.microsoft.com/office/2006/metadata/properties"/>
-    <ds:schemaRef ds:uri="http://schemas.microsoft.com/office/infopath/2007/PartnerControls"/>
-    <ds:schemaRef ds:uri="71af3243-3dd4-4a8d-8c0d-dd76da1f02a5"/>
+    <ds:schemaRef ds:uri="http://purl.org/dc/terms/"/>
   </ds:schemaRefs>
 </ds:datastoreItem>
 </file>